--- a/ppt/04-14.pptx
+++ b/ppt/04-14.pptx
@@ -3254,6 +3254,234 @@
           <a:chExt cx="0" cy="0"/>
         </a:xfrm>
       </p:grpSpPr>
+      <p:sp>
+        <p:nvSpPr>
+          <p:cNvPr id="2" name="TextBox 1"/>
+          <p:cNvSpPr txBox="1"/>
+          <p:nvPr/>
+        </p:nvSpPr>
+        <p:spPr>
+          <a:xfrm>
+            <a:off x="474133" y="304800"/>
+            <a:ext cx="1872629" cy="369332"/>
+          </a:xfrm>
+          <a:prstGeom prst="rect">
+            <a:avLst/>
+          </a:prstGeom>
+          <a:noFill/>
+        </p:spPr>
+        <p:txBody>
+          <a:bodyPr wrap="none" rtlCol="0">
+            <a:spAutoFit/>
+          </a:bodyPr>
+          <a:lstStyle/>
+          <a:p>
+            <a:r>
+              <a:rPr lang="en-US" altLang="ko-KR" dirty="0"/>
+              <a:t>UI-SJN-01-001U</a:t>
+            </a:r>
+            <a:endParaRPr lang="ko-KR" altLang="en-US" dirty="0"/>
+          </a:p>
+        </p:txBody>
+      </p:sp>
+      <p:pic>
+        <p:nvPicPr>
+          <p:cNvPr id="3" name="그림 2"/>
+          <p:cNvPicPr>
+            <a:picLocks noChangeAspect="1"/>
+          </p:cNvPicPr>
+          <p:nvPr/>
+        </p:nvPicPr>
+        <p:blipFill>
+          <a:blip r:embed="rId2"/>
+          <a:stretch>
+            <a:fillRect/>
+          </a:stretch>
+        </p:blipFill>
+        <p:spPr>
+          <a:xfrm>
+            <a:off x="474133" y="938549"/>
+            <a:ext cx="3448531" cy="2762636"/>
+          </a:xfrm>
+          <a:prstGeom prst="rect">
+            <a:avLst/>
+          </a:prstGeom>
+        </p:spPr>
+      </p:pic>
+      <p:sp>
+        <p:nvSpPr>
+          <p:cNvPr id="6" name="TextBox 5"/>
+          <p:cNvSpPr txBox="1"/>
+          <p:nvPr/>
+        </p:nvSpPr>
+        <p:spPr>
+          <a:xfrm>
+            <a:off x="5669073" y="6074245"/>
+            <a:ext cx="4543231" cy="523220"/>
+          </a:xfrm>
+          <a:prstGeom prst="rect">
+            <a:avLst/>
+          </a:prstGeom>
+          <a:noFill/>
+        </p:spPr>
+        <p:txBody>
+          <a:bodyPr wrap="none" rtlCol="0">
+            <a:spAutoFit/>
+          </a:bodyPr>
+          <a:lstStyle/>
+          <a:p>
+            <a:r>
+              <a:rPr lang="ko-KR" altLang="en-US" sz="1400" dirty="0" smtClean="0"/>
+              <a:t>스크립트로 해당 크기를 계산하지 않고 </a:t>
+            </a:r>
+            <a:endParaRPr lang="en-US" altLang="ko-KR" sz="1400" dirty="0" smtClean="0"/>
+          </a:p>
+          <a:p>
+            <a:r>
+              <a:rPr lang="en-US" altLang="ko-KR" sz="1400" dirty="0" smtClean="0"/>
+              <a:t>CSS </a:t>
+            </a:r>
+            <a:r>
+              <a:rPr lang="ko-KR" altLang="en-US" sz="1400" dirty="0" smtClean="0"/>
+              <a:t>에서 정해진 </a:t>
+            </a:r>
+            <a:r>
+              <a:rPr lang="en-US" altLang="ko-KR" sz="1400" dirty="0" smtClean="0"/>
+              <a:t>height </a:t>
+            </a:r>
+            <a:r>
+              <a:rPr lang="ko-KR" altLang="en-US" sz="1400" dirty="0" smtClean="0"/>
+              <a:t>값을 통해 보여주고 있습니다</a:t>
+            </a:r>
+            <a:r>
+              <a:rPr lang="en-US" altLang="ko-KR" sz="1400" dirty="0" smtClean="0"/>
+              <a:t>.</a:t>
+            </a:r>
+            <a:endParaRPr lang="ko-KR" altLang="en-US" sz="1400" dirty="0"/>
+          </a:p>
+        </p:txBody>
+      </p:sp>
+      <p:pic>
+        <p:nvPicPr>
+          <p:cNvPr id="7" name="그림 6"/>
+          <p:cNvPicPr>
+            <a:picLocks noChangeAspect="1"/>
+          </p:cNvPicPr>
+          <p:nvPr/>
+        </p:nvPicPr>
+        <p:blipFill>
+          <a:blip r:embed="rId3"/>
+          <a:stretch>
+            <a:fillRect/>
+          </a:stretch>
+        </p:blipFill>
+        <p:spPr>
+          <a:xfrm>
+            <a:off x="6324889" y="828764"/>
+            <a:ext cx="2556643" cy="5141773"/>
+          </a:xfrm>
+          <a:prstGeom prst="rect">
+            <a:avLst/>
+          </a:prstGeom>
+        </p:spPr>
+      </p:pic>
+      <p:cxnSp>
+        <p:nvCxnSpPr>
+          <p:cNvPr id="9" name="직선 화살표 연결선 8"/>
+          <p:cNvCxnSpPr/>
+          <p:nvPr/>
+        </p:nvCxnSpPr>
+        <p:spPr>
+          <a:xfrm>
+            <a:off x="3987800" y="1303867"/>
+            <a:ext cx="2065867" cy="0"/>
+          </a:xfrm>
+          <a:prstGeom prst="straightConnector1">
+            <a:avLst/>
+          </a:prstGeom>
+          <a:ln>
+            <a:tailEnd type="triangle"/>
+          </a:ln>
+        </p:spPr>
+        <p:style>
+          <a:lnRef idx="1">
+            <a:schemeClr val="accent1"/>
+          </a:lnRef>
+          <a:fillRef idx="0">
+            <a:schemeClr val="accent1"/>
+          </a:fillRef>
+          <a:effectRef idx="0">
+            <a:schemeClr val="accent1"/>
+          </a:effectRef>
+          <a:fontRef idx="minor">
+            <a:schemeClr val="tx1"/>
+          </a:fontRef>
+        </p:style>
+      </p:cxnSp>
+      <p:sp>
+        <p:nvSpPr>
+          <p:cNvPr id="10" name="TextBox 9"/>
+          <p:cNvSpPr txBox="1"/>
+          <p:nvPr/>
+        </p:nvSpPr>
+        <p:spPr>
+          <a:xfrm>
+            <a:off x="4883280" y="1669186"/>
+            <a:ext cx="785793" cy="307777"/>
+          </a:xfrm>
+          <a:prstGeom prst="rect">
+            <a:avLst/>
+          </a:prstGeom>
+          <a:noFill/>
+        </p:spPr>
+        <p:txBody>
+          <a:bodyPr wrap="none" rtlCol="0">
+            <a:spAutoFit/>
+          </a:bodyPr>
+          <a:lstStyle/>
+          <a:p>
+            <a:r>
+              <a:rPr lang="ko-KR" altLang="en-US" sz="1400" dirty="0" smtClean="0"/>
+              <a:t>클릭 시</a:t>
+            </a:r>
+            <a:endParaRPr lang="ko-KR" altLang="en-US" sz="1400" dirty="0"/>
+          </a:p>
+        </p:txBody>
+      </p:sp>
+      <p:cxnSp>
+        <p:nvCxnSpPr>
+          <p:cNvPr id="12" name="직선 화살표 연결선 11"/>
+          <p:cNvCxnSpPr/>
+          <p:nvPr/>
+        </p:nvCxnSpPr>
+        <p:spPr>
+          <a:xfrm>
+            <a:off x="6155267" y="2929467"/>
+            <a:ext cx="0" cy="2861733"/>
+          </a:xfrm>
+          <a:prstGeom prst="straightConnector1">
+            <a:avLst/>
+          </a:prstGeom>
+          <a:ln>
+            <a:headEnd type="triangle"/>
+            <a:tailEnd type="triangle"/>
+          </a:ln>
+        </p:spPr>
+        <p:style>
+          <a:lnRef idx="1">
+            <a:schemeClr val="accent1"/>
+          </a:lnRef>
+          <a:fillRef idx="0">
+            <a:schemeClr val="accent1"/>
+          </a:fillRef>
+          <a:effectRef idx="0">
+            <a:schemeClr val="accent1"/>
+          </a:effectRef>
+          <a:fontRef idx="minor">
+            <a:schemeClr val="tx1"/>
+          </a:fontRef>
+        </p:style>
+      </p:cxnSp>
     </p:spTree>
     <p:extLst>
       <p:ext uri="{BB962C8B-B14F-4D97-AF65-F5344CB8AC3E}">

--- a/ppt/04-14.pptx
+++ b/ppt/04-14.pptx
@@ -3512,6 +3512,118 @@
           <a:chExt cx="0" cy="0"/>
         </a:xfrm>
       </p:grpSpPr>
+      <p:sp>
+        <p:nvSpPr>
+          <p:cNvPr id="2" name="TextBox 1"/>
+          <p:cNvSpPr txBox="1"/>
+          <p:nvPr/>
+        </p:nvSpPr>
+        <p:spPr>
+          <a:xfrm>
+            <a:off x="474133" y="304800"/>
+            <a:ext cx="1872629" cy="369332"/>
+          </a:xfrm>
+          <a:prstGeom prst="rect">
+            <a:avLst/>
+          </a:prstGeom>
+          <a:noFill/>
+        </p:spPr>
+        <p:txBody>
+          <a:bodyPr wrap="none" rtlCol="0">
+            <a:spAutoFit/>
+          </a:bodyPr>
+          <a:lstStyle/>
+          <a:p>
+            <a:r>
+              <a:rPr lang="en-US" altLang="ko-KR" dirty="0"/>
+              <a:t>UI-SJN-98-001L</a:t>
+            </a:r>
+            <a:endParaRPr lang="ko-KR" altLang="en-US" dirty="0"/>
+          </a:p>
+        </p:txBody>
+      </p:sp>
+      <p:pic>
+        <p:nvPicPr>
+          <p:cNvPr id="5" name="그림 4"/>
+          <p:cNvPicPr>
+            <a:picLocks noChangeAspect="1"/>
+          </p:cNvPicPr>
+          <p:nvPr/>
+        </p:nvPicPr>
+        <p:blipFill>
+          <a:blip r:embed="rId2"/>
+          <a:stretch>
+            <a:fillRect/>
+          </a:stretch>
+        </p:blipFill>
+        <p:spPr>
+          <a:xfrm>
+            <a:off x="474133" y="826781"/>
+            <a:ext cx="4163006" cy="4391638"/>
+          </a:xfrm>
+          <a:prstGeom prst="rect">
+            <a:avLst/>
+          </a:prstGeom>
+        </p:spPr>
+      </p:pic>
+      <p:pic>
+        <p:nvPicPr>
+          <p:cNvPr id="6" name="그림 5"/>
+          <p:cNvPicPr>
+            <a:picLocks noChangeAspect="1"/>
+          </p:cNvPicPr>
+          <p:nvPr/>
+        </p:nvPicPr>
+        <p:blipFill>
+          <a:blip r:embed="rId3"/>
+          <a:stretch>
+            <a:fillRect/>
+          </a:stretch>
+        </p:blipFill>
+        <p:spPr>
+          <a:xfrm>
+            <a:off x="5285116" y="904295"/>
+            <a:ext cx="2857899" cy="714475"/>
+          </a:xfrm>
+          <a:prstGeom prst="rect">
+            <a:avLst/>
+          </a:prstGeom>
+        </p:spPr>
+      </p:pic>
+      <p:sp>
+        <p:nvSpPr>
+          <p:cNvPr id="7" name="TextBox 6"/>
+          <p:cNvSpPr txBox="1"/>
+          <p:nvPr/>
+        </p:nvSpPr>
+        <p:spPr>
+          <a:xfrm>
+            <a:off x="5285116" y="2171111"/>
+            <a:ext cx="2746265" cy="307777"/>
+          </a:xfrm>
+          <a:prstGeom prst="rect">
+            <a:avLst/>
+          </a:prstGeom>
+          <a:noFill/>
+        </p:spPr>
+        <p:txBody>
+          <a:bodyPr wrap="none" rtlCol="0">
+            <a:spAutoFit/>
+          </a:bodyPr>
+          <a:lstStyle/>
+          <a:p>
+            <a:r>
+              <a:rPr lang="ko-KR" altLang="en-US" sz="1400" dirty="0" smtClean="0"/>
+              <a:t>알림 페이지 제작 제작됐습니다</a:t>
+            </a:r>
+            <a:r>
+              <a:rPr lang="en-US" altLang="ko-KR" sz="1400" dirty="0" smtClean="0"/>
+              <a:t>.</a:t>
+            </a:r>
+            <a:endParaRPr lang="ko-KR" altLang="en-US" sz="1400" dirty="0"/>
+          </a:p>
+        </p:txBody>
+      </p:sp>
     </p:spTree>
     <p:extLst>
       <p:ext uri="{BB962C8B-B14F-4D97-AF65-F5344CB8AC3E}">

--- a/ppt/04-14.pptx
+++ b/ppt/04-14.pptx
@@ -3544,7 +3544,7 @@
       </p:sp>
       <p:pic>
         <p:nvPicPr>
-          <p:cNvPr id="5" name="그림 4"/>
+          <p:cNvPr id="6" name="그림 5"/>
           <p:cNvPicPr>
             <a:picLocks noChangeAspect="1"/>
           </p:cNvPicPr>
@@ -3558,17 +3558,75 @@
         </p:blipFill>
         <p:spPr>
           <a:xfrm>
-            <a:off x="474133" y="826781"/>
-            <a:ext cx="4163006" cy="4391638"/>
+            <a:off x="5285116" y="904295"/>
+            <a:ext cx="2857899" cy="714475"/>
           </a:xfrm>
           <a:prstGeom prst="rect">
             <a:avLst/>
           </a:prstGeom>
         </p:spPr>
       </p:pic>
+      <p:sp>
+        <p:nvSpPr>
+          <p:cNvPr id="7" name="TextBox 6"/>
+          <p:cNvSpPr txBox="1"/>
+          <p:nvPr/>
+        </p:nvSpPr>
+        <p:spPr>
+          <a:xfrm>
+            <a:off x="5632250" y="2419978"/>
+            <a:ext cx="4838632" cy="307777"/>
+          </a:xfrm>
+          <a:prstGeom prst="rect">
+            <a:avLst/>
+          </a:prstGeom>
+          <a:noFill/>
+        </p:spPr>
+        <p:txBody>
+          <a:bodyPr wrap="none" rtlCol="0">
+            <a:spAutoFit/>
+          </a:bodyPr>
+          <a:lstStyle/>
+          <a:p>
+            <a:r>
+              <a:rPr lang="en-US" altLang="ko-KR" sz="1400" dirty="0" smtClean="0"/>
+              <a:t>active </a:t>
+            </a:r>
+            <a:r>
+              <a:rPr lang="ko-KR" altLang="en-US" sz="1400" dirty="0" err="1" smtClean="0"/>
+              <a:t>추가시</a:t>
+            </a:r>
+            <a:r>
+              <a:rPr lang="ko-KR" altLang="en-US" sz="1400" dirty="0" smtClean="0"/>
+              <a:t> 색상이 변경됩니다</a:t>
+            </a:r>
+            <a:r>
+              <a:rPr lang="en-US" altLang="ko-KR" sz="1400" dirty="0" smtClean="0"/>
+              <a:t>. </a:t>
+            </a:r>
+            <a:r>
+              <a:rPr lang="ko-KR" altLang="en-US" sz="1400" dirty="0" smtClean="0"/>
+              <a:t>읽은 </a:t>
+            </a:r>
+            <a:r>
+              <a:rPr lang="ko-KR" altLang="en-US" sz="1400" dirty="0" err="1" smtClean="0"/>
+              <a:t>알람에</a:t>
+            </a:r>
+            <a:r>
+              <a:rPr lang="ko-KR" altLang="en-US" sz="1400" dirty="0" smtClean="0"/>
+              <a:t> 넣어주세요</a:t>
+            </a:r>
+            <a:r>
+              <a:rPr lang="en-US" altLang="ko-KR" sz="1400" dirty="0" smtClean="0"/>
+              <a:t>.</a:t>
+            </a:r>
+            <a:endParaRPr lang="ko-KR" altLang="en-US" sz="1400" dirty="0"/>
+          </a:p>
+        </p:txBody>
+      </p:sp>
       <p:pic>
         <p:nvPicPr>
-          <p:cNvPr id="6" name="그림 5"/>
+          <p:cNvPr id="3" name="그림 2"/>
           <p:cNvPicPr>
             <a:picLocks noChangeAspect="1"/>
           </p:cNvPicPr>
@@ -3582,48 +3640,47 @@
         </p:blipFill>
         <p:spPr>
           <a:xfrm>
-            <a:off x="5285116" y="904295"/>
-            <a:ext cx="2857899" cy="714475"/>
+            <a:off x="610372" y="904295"/>
+            <a:ext cx="4096322" cy="3734321"/>
           </a:xfrm>
           <a:prstGeom prst="rect">
             <a:avLst/>
           </a:prstGeom>
         </p:spPr>
       </p:pic>
-      <p:sp>
-        <p:nvSpPr>
-          <p:cNvPr id="7" name="TextBox 6"/>
-          <p:cNvSpPr txBox="1"/>
+      <p:cxnSp>
+        <p:nvCxnSpPr>
+          <p:cNvPr id="8" name="직선 화살표 연결선 7"/>
+          <p:cNvCxnSpPr/>
           <p:nvPr/>
-        </p:nvSpPr>
-        <p:spPr>
-          <a:xfrm>
-            <a:off x="5285116" y="2171111"/>
-            <a:ext cx="2746265" cy="307777"/>
-          </a:xfrm>
-          <a:prstGeom prst="rect">
+        </p:nvCxnSpPr>
+        <p:spPr>
+          <a:xfrm flipH="1">
+            <a:off x="3107267" y="2573867"/>
+            <a:ext cx="2370666" cy="0"/>
+          </a:xfrm>
+          <a:prstGeom prst="straightConnector1">
             <a:avLst/>
           </a:prstGeom>
-          <a:noFill/>
-        </p:spPr>
-        <p:txBody>
-          <a:bodyPr wrap="none" rtlCol="0">
-            <a:spAutoFit/>
-          </a:bodyPr>
-          <a:lstStyle/>
-          <a:p>
-            <a:r>
-              <a:rPr lang="ko-KR" altLang="en-US" sz="1400" dirty="0" smtClean="0"/>
-              <a:t>알림 페이지 제작 제작됐습니다</a:t>
-            </a:r>
-            <a:r>
-              <a:rPr lang="en-US" altLang="ko-KR" sz="1400" dirty="0" smtClean="0"/>
-              <a:t>.</a:t>
-            </a:r>
-            <a:endParaRPr lang="ko-KR" altLang="en-US" sz="1400" dirty="0"/>
-          </a:p>
-        </p:txBody>
-      </p:sp>
+          <a:ln>
+            <a:tailEnd type="triangle"/>
+          </a:ln>
+        </p:spPr>
+        <p:style>
+          <a:lnRef idx="1">
+            <a:schemeClr val="accent1"/>
+          </a:lnRef>
+          <a:fillRef idx="0">
+            <a:schemeClr val="accent1"/>
+          </a:fillRef>
+          <a:effectRef idx="0">
+            <a:schemeClr val="accent1"/>
+          </a:effectRef>
+          <a:fontRef idx="minor">
+            <a:schemeClr val="tx1"/>
+          </a:fontRef>
+        </p:style>
+      </p:cxnSp>
     </p:spTree>
     <p:extLst>
       <p:ext uri="{BB962C8B-B14F-4D97-AF65-F5344CB8AC3E}">

--- a/ppt/04-14.pptx
+++ b/ppt/04-14.pptx
@@ -8,8 +8,14 @@
     <p:sldId id="258" r:id="rId2"/>
     <p:sldId id="259" r:id="rId3"/>
     <p:sldId id="260" r:id="rId4"/>
-    <p:sldId id="261" r:id="rId5"/>
-    <p:sldId id="262" r:id="rId6"/>
+    <p:sldId id="263" r:id="rId5"/>
+    <p:sldId id="261" r:id="rId6"/>
+    <p:sldId id="266" r:id="rId7"/>
+    <p:sldId id="267" r:id="rId8"/>
+    <p:sldId id="268" r:id="rId9"/>
+    <p:sldId id="264" r:id="rId10"/>
+    <p:sldId id="265" r:id="rId11"/>
+    <p:sldId id="262" r:id="rId12"/>
   </p:sldIdLst>
   <p:sldSz cx="12192000" cy="6858000"/>
   <p:notesSz cx="6858000" cy="9144000"/>
@@ -3237,6 +3243,66 @@
 </p:sld>
 </file>
 
+<file path=ppt/slides/slide10.xml><?xml version="1.0" encoding="utf-8"?>
+<p:sld xmlns:a="http://schemas.openxmlformats.org/drawingml/2006/main" xmlns:r="http://schemas.openxmlformats.org/officeDocument/2006/relationships" xmlns:p="http://schemas.openxmlformats.org/presentationml/2006/main">
+  <p:cSld>
+    <p:spTree>
+      <p:nvGrpSpPr>
+        <p:cNvPr id="1" name=""/>
+        <p:cNvGrpSpPr/>
+        <p:nvPr/>
+      </p:nvGrpSpPr>
+      <p:grpSpPr>
+        <a:xfrm>
+          <a:off x="0" y="0"/>
+          <a:ext cx="0" cy="0"/>
+          <a:chOff x="0" y="0"/>
+          <a:chExt cx="0" cy="0"/>
+        </a:xfrm>
+      </p:grpSpPr>
+    </p:spTree>
+    <p:extLst>
+      <p:ext uri="{BB962C8B-B14F-4D97-AF65-F5344CB8AC3E}">
+        <p14:creationId xmlns:p14="http://schemas.microsoft.com/office/powerpoint/2010/main" val="255377566"/>
+      </p:ext>
+    </p:extLst>
+  </p:cSld>
+  <p:clrMapOvr>
+    <a:masterClrMapping/>
+  </p:clrMapOvr>
+</p:sld>
+</file>
+
+<file path=ppt/slides/slide11.xml><?xml version="1.0" encoding="utf-8"?>
+<p:sld xmlns:a="http://schemas.openxmlformats.org/drawingml/2006/main" xmlns:r="http://schemas.openxmlformats.org/officeDocument/2006/relationships" xmlns:p="http://schemas.openxmlformats.org/presentationml/2006/main">
+  <p:cSld>
+    <p:spTree>
+      <p:nvGrpSpPr>
+        <p:cNvPr id="1" name=""/>
+        <p:cNvGrpSpPr/>
+        <p:nvPr/>
+      </p:nvGrpSpPr>
+      <p:grpSpPr>
+        <a:xfrm>
+          <a:off x="0" y="0"/>
+          <a:ext cx="0" cy="0"/>
+          <a:chOff x="0" y="0"/>
+          <a:chExt cx="0" cy="0"/>
+        </a:xfrm>
+      </p:grpSpPr>
+    </p:spTree>
+    <p:extLst>
+      <p:ext uri="{BB962C8B-B14F-4D97-AF65-F5344CB8AC3E}">
+        <p14:creationId xmlns:p14="http://schemas.microsoft.com/office/powerpoint/2010/main" val="3474519750"/>
+      </p:ext>
+    </p:extLst>
+  </p:cSld>
+  <p:clrMapOvr>
+    <a:masterClrMapping/>
+  </p:clrMapOvr>
+</p:sld>
+</file>
+
 <file path=ppt/slides/slide2.xml><?xml version="1.0" encoding="utf-8"?>
 <p:sld xmlns:a="http://schemas.openxmlformats.org/drawingml/2006/main" xmlns:r="http://schemas.openxmlformats.org/officeDocument/2006/relationships" xmlns:p="http://schemas.openxmlformats.org/presentationml/2006/main">
   <p:cSld>
@@ -3711,10 +3777,134 @@
           <a:chExt cx="0" cy="0"/>
         </a:xfrm>
       </p:grpSpPr>
+      <p:sp>
+        <p:nvSpPr>
+          <p:cNvPr id="2" name="TextBox 1"/>
+          <p:cNvSpPr txBox="1"/>
+          <p:nvPr/>
+        </p:nvSpPr>
+        <p:spPr>
+          <a:xfrm>
+            <a:off x="474133" y="304800"/>
+            <a:ext cx="1872629" cy="369332"/>
+          </a:xfrm>
+          <a:prstGeom prst="rect">
+            <a:avLst/>
+          </a:prstGeom>
+          <a:noFill/>
+        </p:spPr>
+        <p:txBody>
+          <a:bodyPr wrap="none" rtlCol="0">
+            <a:spAutoFit/>
+          </a:bodyPr>
+          <a:lstStyle/>
+          <a:p>
+            <a:r>
+              <a:rPr lang="en-US" altLang="ko-KR" dirty="0"/>
+              <a:t>UI-SJN-13-002U</a:t>
+            </a:r>
+            <a:endParaRPr lang="ko-KR" altLang="en-US" dirty="0"/>
+          </a:p>
+        </p:txBody>
+      </p:sp>
+      <p:sp>
+        <p:nvSpPr>
+          <p:cNvPr id="7" name="TextBox 6"/>
+          <p:cNvSpPr txBox="1"/>
+          <p:nvPr/>
+        </p:nvSpPr>
+        <p:spPr>
+          <a:xfrm>
+            <a:off x="5632250" y="2419978"/>
+            <a:ext cx="3894015" cy="307777"/>
+          </a:xfrm>
+          <a:prstGeom prst="rect">
+            <a:avLst/>
+          </a:prstGeom>
+          <a:noFill/>
+        </p:spPr>
+        <p:txBody>
+          <a:bodyPr wrap="none" rtlCol="0">
+            <a:spAutoFit/>
+          </a:bodyPr>
+          <a:lstStyle/>
+          <a:p>
+            <a:r>
+              <a:rPr lang="ko-KR" altLang="en-US" sz="1400" dirty="0" err="1" smtClean="0"/>
+              <a:t>스샷</a:t>
+            </a:r>
+            <a:r>
+              <a:rPr lang="ko-KR" altLang="en-US" sz="1400" dirty="0" smtClean="0"/>
+              <a:t> </a:t>
+            </a:r>
+            <a:r>
+              <a:rPr lang="ko-KR" altLang="en-US" sz="1400" dirty="0" err="1" smtClean="0"/>
+              <a:t>처럼</a:t>
+            </a:r>
+            <a:r>
+              <a:rPr lang="ko-KR" altLang="en-US" sz="1400" dirty="0" smtClean="0"/>
+              <a:t> 위</a:t>
+            </a:r>
+            <a:r>
+              <a:rPr lang="en-US" altLang="ko-KR" sz="1400" dirty="0" smtClean="0"/>
+              <a:t>-</a:t>
+            </a:r>
+            <a:r>
+              <a:rPr lang="ko-KR" altLang="en-US" sz="1400" dirty="0" smtClean="0"/>
+              <a:t>오전</a:t>
+            </a:r>
+            <a:r>
+              <a:rPr lang="en-US" altLang="ko-KR" sz="1400" dirty="0" smtClean="0"/>
+              <a:t>, </a:t>
+            </a:r>
+            <a:r>
+              <a:rPr lang="ko-KR" altLang="en-US" sz="1400" dirty="0" smtClean="0"/>
+              <a:t>아래</a:t>
+            </a:r>
+            <a:r>
+              <a:rPr lang="en-US" altLang="ko-KR" sz="1400" dirty="0" smtClean="0"/>
+              <a:t>-</a:t>
+            </a:r>
+            <a:r>
+              <a:rPr lang="ko-KR" altLang="en-US" sz="1400" dirty="0" smtClean="0"/>
+              <a:t>오후로 만들었습니다</a:t>
+            </a:r>
+            <a:r>
+              <a:rPr lang="en-US" altLang="ko-KR" sz="1400" dirty="0" smtClean="0"/>
+              <a:t>.</a:t>
+            </a:r>
+            <a:endParaRPr lang="ko-KR" altLang="en-US" sz="1400" dirty="0"/>
+          </a:p>
+        </p:txBody>
+      </p:sp>
+      <p:pic>
+        <p:nvPicPr>
+          <p:cNvPr id="4" name="그림 3"/>
+          <p:cNvPicPr>
+            <a:picLocks noChangeAspect="1"/>
+          </p:cNvPicPr>
+          <p:nvPr/>
+        </p:nvPicPr>
+        <p:blipFill>
+          <a:blip r:embed="rId2"/>
+          <a:stretch>
+            <a:fillRect/>
+          </a:stretch>
+        </p:blipFill>
+        <p:spPr>
+          <a:xfrm>
+            <a:off x="404740" y="779073"/>
+            <a:ext cx="3912163" cy="5306934"/>
+          </a:xfrm>
+          <a:prstGeom prst="rect">
+            <a:avLst/>
+          </a:prstGeom>
+        </p:spPr>
+      </p:pic>
     </p:spTree>
     <p:extLst>
       <p:ext uri="{BB962C8B-B14F-4D97-AF65-F5344CB8AC3E}">
-        <p14:creationId xmlns:p14="http://schemas.microsoft.com/office/powerpoint/2010/main" val="3462332430"/>
+        <p14:creationId xmlns:p14="http://schemas.microsoft.com/office/powerpoint/2010/main" val="4267227907"/>
       </p:ext>
     </p:extLst>
   </p:cSld>
@@ -3741,10 +3931,1605 @@
           <a:chExt cx="0" cy="0"/>
         </a:xfrm>
       </p:grpSpPr>
+      <p:pic>
+        <p:nvPicPr>
+          <p:cNvPr id="2" name="그림 1"/>
+          <p:cNvPicPr>
+            <a:picLocks noChangeAspect="1"/>
+          </p:cNvPicPr>
+          <p:nvPr/>
+        </p:nvPicPr>
+        <p:blipFill>
+          <a:blip r:embed="rId2"/>
+          <a:stretch>
+            <a:fillRect/>
+          </a:stretch>
+        </p:blipFill>
+        <p:spPr>
+          <a:xfrm>
+            <a:off x="498956" y="2055658"/>
+            <a:ext cx="4658375" cy="1457528"/>
+          </a:xfrm>
+          <a:prstGeom prst="rect">
+            <a:avLst/>
+          </a:prstGeom>
+        </p:spPr>
+      </p:pic>
+      <p:sp>
+        <p:nvSpPr>
+          <p:cNvPr id="3" name="TextBox 2"/>
+          <p:cNvSpPr txBox="1"/>
+          <p:nvPr/>
+        </p:nvSpPr>
+        <p:spPr>
+          <a:xfrm>
+            <a:off x="474133" y="304800"/>
+            <a:ext cx="1872629" cy="369332"/>
+          </a:xfrm>
+          <a:prstGeom prst="rect">
+            <a:avLst/>
+          </a:prstGeom>
+          <a:noFill/>
+        </p:spPr>
+        <p:txBody>
+          <a:bodyPr wrap="none" rtlCol="0">
+            <a:spAutoFit/>
+          </a:bodyPr>
+          <a:lstStyle/>
+          <a:p>
+            <a:r>
+              <a:rPr lang="en-US" altLang="ko-KR" dirty="0"/>
+              <a:t>UI-SJN-01-001U</a:t>
+            </a:r>
+            <a:endParaRPr lang="ko-KR" altLang="en-US" dirty="0"/>
+          </a:p>
+        </p:txBody>
+      </p:sp>
+      <p:cxnSp>
+        <p:nvCxnSpPr>
+          <p:cNvPr id="5" name="직선 화살표 연결선 4"/>
+          <p:cNvCxnSpPr/>
+          <p:nvPr/>
+        </p:nvCxnSpPr>
+        <p:spPr>
+          <a:xfrm flipH="1">
+            <a:off x="4482059" y="2675744"/>
+            <a:ext cx="1588957" cy="0"/>
+          </a:xfrm>
+          <a:prstGeom prst="straightConnector1">
+            <a:avLst/>
+          </a:prstGeom>
+          <a:ln>
+            <a:tailEnd type="triangle"/>
+          </a:ln>
+        </p:spPr>
+        <p:style>
+          <a:lnRef idx="1">
+            <a:schemeClr val="accent1"/>
+          </a:lnRef>
+          <a:fillRef idx="0">
+            <a:schemeClr val="accent1"/>
+          </a:fillRef>
+          <a:effectRef idx="0">
+            <a:schemeClr val="accent1"/>
+          </a:effectRef>
+          <a:fontRef idx="minor">
+            <a:schemeClr val="tx1"/>
+          </a:fontRef>
+        </p:style>
+      </p:cxnSp>
+      <p:sp>
+        <p:nvSpPr>
+          <p:cNvPr id="6" name="TextBox 5"/>
+          <p:cNvSpPr txBox="1"/>
+          <p:nvPr/>
+        </p:nvSpPr>
+        <p:spPr>
+          <a:xfrm>
+            <a:off x="6164400" y="2547393"/>
+            <a:ext cx="2478564" cy="307777"/>
+          </a:xfrm>
+          <a:prstGeom prst="rect">
+            <a:avLst/>
+          </a:prstGeom>
+          <a:noFill/>
+        </p:spPr>
+        <p:txBody>
+          <a:bodyPr wrap="none" rtlCol="0">
+            <a:spAutoFit/>
+          </a:bodyPr>
+          <a:lstStyle/>
+          <a:p>
+            <a:r>
+              <a:rPr lang="en-US" altLang="ko-KR" sz="1400" dirty="0" smtClean="0"/>
+              <a:t>Css </a:t>
+            </a:r>
+            <a:r>
+              <a:rPr lang="ko-KR" altLang="en-US" sz="1400" dirty="0" smtClean="0"/>
+              <a:t>에서 간격을 벌렸습니다</a:t>
+            </a:r>
+            <a:r>
+              <a:rPr lang="en-US" altLang="ko-KR" sz="1400" dirty="0" smtClean="0"/>
+              <a:t>.</a:t>
+            </a:r>
+            <a:endParaRPr lang="ko-KR" altLang="en-US" sz="1400" dirty="0"/>
+          </a:p>
+        </p:txBody>
+      </p:sp>
+      <p:sp>
+        <p:nvSpPr>
+          <p:cNvPr id="7" name="TextBox 6"/>
+          <p:cNvSpPr txBox="1"/>
+          <p:nvPr/>
+        </p:nvSpPr>
+        <p:spPr>
+          <a:xfrm>
+            <a:off x="410676" y="885984"/>
+            <a:ext cx="11416563" cy="276999"/>
+          </a:xfrm>
+          <a:prstGeom prst="rect">
+            <a:avLst/>
+          </a:prstGeom>
+          <a:noFill/>
+        </p:spPr>
+        <p:txBody>
+          <a:bodyPr wrap="square" rtlCol="0">
+            <a:spAutoFit/>
+          </a:bodyPr>
+          <a:lstStyle/>
+          <a:p>
+            <a:r>
+              <a:rPr lang="en-US" altLang="ko-KR" sz="1200" dirty="0">
+                <a:solidFill>
+                  <a:srgbClr val="0070C0"/>
+                </a:solidFill>
+              </a:rPr>
+              <a:t>2. </a:t>
+            </a:r>
+            <a:r>
+              <a:rPr lang="ko-KR" altLang="en-US" sz="1200" dirty="0" err="1">
+                <a:solidFill>
+                  <a:srgbClr val="0070C0"/>
+                </a:solidFill>
+              </a:rPr>
+              <a:t>오늘세종엔</a:t>
+            </a:r>
+            <a:r>
+              <a:rPr lang="ko-KR" altLang="en-US" sz="1200" dirty="0">
+                <a:solidFill>
+                  <a:srgbClr val="0070C0"/>
+                </a:solidFill>
+              </a:rPr>
+              <a:t> 홈</a:t>
+            </a:r>
+            <a:r>
+              <a:rPr lang="en-US" altLang="ko-KR" sz="1200" dirty="0">
+                <a:solidFill>
+                  <a:srgbClr val="0070C0"/>
+                </a:solidFill>
+              </a:rPr>
+              <a:t>, </a:t>
+            </a:r>
+            <a:r>
+              <a:rPr lang="ko-KR" altLang="en-US" sz="1200" dirty="0">
+                <a:solidFill>
+                  <a:srgbClr val="0070C0"/>
+                </a:solidFill>
+              </a:rPr>
+              <a:t>생활정보 탭 의 모든 카드들의 간격이 초기에 </a:t>
+            </a:r>
+            <a:r>
+              <a:rPr lang="ko-KR" altLang="en-US" sz="1200" dirty="0" err="1">
+                <a:solidFill>
+                  <a:srgbClr val="0070C0"/>
+                </a:solidFill>
+              </a:rPr>
+              <a:t>셋팅해주신</a:t>
+            </a:r>
+            <a:r>
+              <a:rPr lang="ko-KR" altLang="en-US" sz="1200" dirty="0">
+                <a:solidFill>
+                  <a:srgbClr val="0070C0"/>
+                </a:solidFill>
+              </a:rPr>
+              <a:t> </a:t>
+            </a:r>
+            <a:r>
+              <a:rPr lang="en-US" altLang="ko-KR" sz="1200" dirty="0">
+                <a:solidFill>
+                  <a:srgbClr val="0070C0"/>
+                </a:solidFill>
+              </a:rPr>
+              <a:t>2.7rem </a:t>
+            </a:r>
+            <a:r>
+              <a:rPr lang="ko-KR" altLang="en-US" sz="1200" dirty="0" err="1">
+                <a:solidFill>
+                  <a:srgbClr val="0070C0"/>
+                </a:solidFill>
+              </a:rPr>
+              <a:t>으로</a:t>
+            </a:r>
+            <a:r>
+              <a:rPr lang="ko-KR" altLang="en-US" sz="1200" dirty="0">
+                <a:solidFill>
+                  <a:srgbClr val="0070C0"/>
+                </a:solidFill>
+              </a:rPr>
+              <a:t> 사용할 예정입니다</a:t>
+            </a:r>
+            <a:r>
+              <a:rPr lang="en-US" altLang="ko-KR" sz="1200" dirty="0">
+                <a:solidFill>
+                  <a:srgbClr val="0070C0"/>
+                </a:solidFill>
+              </a:rPr>
+              <a:t>. (</a:t>
+            </a:r>
+            <a:r>
+              <a:rPr lang="ko-KR" altLang="en-US" sz="1200" dirty="0" err="1">
+                <a:solidFill>
+                  <a:srgbClr val="0070C0"/>
+                </a:solidFill>
+              </a:rPr>
+              <a:t>소스코드상</a:t>
+            </a:r>
+            <a:r>
+              <a:rPr lang="ko-KR" altLang="en-US" sz="1200" dirty="0">
+                <a:solidFill>
+                  <a:srgbClr val="0070C0"/>
+                </a:solidFill>
+              </a:rPr>
+              <a:t> </a:t>
+            </a:r>
+            <a:r>
+              <a:rPr lang="en-US" altLang="ko-KR" sz="1200" dirty="0">
+                <a:solidFill>
+                  <a:srgbClr val="0070C0"/>
+                </a:solidFill>
+              </a:rPr>
+              <a:t>inner style </a:t>
+            </a:r>
+            <a:r>
+              <a:rPr lang="ko-KR" altLang="en-US" sz="1200" dirty="0">
+                <a:solidFill>
+                  <a:srgbClr val="0070C0"/>
+                </a:solidFill>
+              </a:rPr>
+              <a:t>는 모두 제거하였습니다</a:t>
+            </a:r>
+            <a:r>
+              <a:rPr lang="en-US" altLang="ko-KR" sz="1200" dirty="0">
+                <a:solidFill>
+                  <a:srgbClr val="0070C0"/>
+                </a:solidFill>
+              </a:rPr>
+              <a:t>.)</a:t>
+            </a:r>
+            <a:endParaRPr lang="ko-KR" altLang="en-US" sz="1200" dirty="0">
+              <a:solidFill>
+                <a:srgbClr val="0070C0"/>
+              </a:solidFill>
+            </a:endParaRPr>
+          </a:p>
+        </p:txBody>
+      </p:sp>
     </p:spTree>
     <p:extLst>
       <p:ext uri="{BB962C8B-B14F-4D97-AF65-F5344CB8AC3E}">
-        <p14:creationId xmlns:p14="http://schemas.microsoft.com/office/powerpoint/2010/main" val="3474519750"/>
+        <p14:creationId xmlns:p14="http://schemas.microsoft.com/office/powerpoint/2010/main" val="3462332430"/>
+      </p:ext>
+    </p:extLst>
+  </p:cSld>
+  <p:clrMapOvr>
+    <a:masterClrMapping/>
+  </p:clrMapOvr>
+</p:sld>
+</file>
+
+<file path=ppt/slides/slide6.xml><?xml version="1.0" encoding="utf-8"?>
+<p:sld xmlns:a="http://schemas.openxmlformats.org/drawingml/2006/main" xmlns:r="http://schemas.openxmlformats.org/officeDocument/2006/relationships" xmlns:p="http://schemas.openxmlformats.org/presentationml/2006/main">
+  <p:cSld>
+    <p:spTree>
+      <p:nvGrpSpPr>
+        <p:cNvPr id="1" name=""/>
+        <p:cNvGrpSpPr/>
+        <p:nvPr/>
+      </p:nvGrpSpPr>
+      <p:grpSpPr>
+        <a:xfrm>
+          <a:off x="0" y="0"/>
+          <a:ext cx="0" cy="0"/>
+          <a:chOff x="0" y="0"/>
+          <a:chExt cx="0" cy="0"/>
+        </a:xfrm>
+      </p:grpSpPr>
+      <p:pic>
+        <p:nvPicPr>
+          <p:cNvPr id="4" name="그림 3"/>
+          <p:cNvPicPr>
+            <a:picLocks noChangeAspect="1"/>
+          </p:cNvPicPr>
+          <p:nvPr/>
+        </p:nvPicPr>
+        <p:blipFill>
+          <a:blip r:embed="rId2"/>
+          <a:stretch>
+            <a:fillRect/>
+          </a:stretch>
+        </p:blipFill>
+        <p:spPr>
+          <a:xfrm>
+            <a:off x="230323" y="2015027"/>
+            <a:ext cx="4401164" cy="819264"/>
+          </a:xfrm>
+          <a:prstGeom prst="rect">
+            <a:avLst/>
+          </a:prstGeom>
+        </p:spPr>
+      </p:pic>
+      <p:sp>
+        <p:nvSpPr>
+          <p:cNvPr id="3" name="TextBox 2"/>
+          <p:cNvSpPr txBox="1"/>
+          <p:nvPr/>
+        </p:nvSpPr>
+        <p:spPr>
+          <a:xfrm>
+            <a:off x="474133" y="304800"/>
+            <a:ext cx="1872629" cy="369332"/>
+          </a:xfrm>
+          <a:prstGeom prst="rect">
+            <a:avLst/>
+          </a:prstGeom>
+          <a:noFill/>
+        </p:spPr>
+        <p:txBody>
+          <a:bodyPr wrap="none" rtlCol="0">
+            <a:spAutoFit/>
+          </a:bodyPr>
+          <a:lstStyle/>
+          <a:p>
+            <a:r>
+              <a:rPr lang="en-US" altLang="ko-KR" dirty="0"/>
+              <a:t>UI-SJN-01-001U</a:t>
+            </a:r>
+            <a:endParaRPr lang="ko-KR" altLang="en-US" dirty="0"/>
+          </a:p>
+        </p:txBody>
+      </p:sp>
+      <p:cxnSp>
+        <p:nvCxnSpPr>
+          <p:cNvPr id="5" name="직선 화살표 연결선 4"/>
+          <p:cNvCxnSpPr/>
+          <p:nvPr/>
+        </p:nvCxnSpPr>
+        <p:spPr>
+          <a:xfrm flipH="1">
+            <a:off x="2698231" y="2450891"/>
+            <a:ext cx="3013021" cy="0"/>
+          </a:xfrm>
+          <a:prstGeom prst="straightConnector1">
+            <a:avLst/>
+          </a:prstGeom>
+          <a:ln>
+            <a:tailEnd type="triangle"/>
+          </a:ln>
+        </p:spPr>
+        <p:style>
+          <a:lnRef idx="1">
+            <a:schemeClr val="accent1"/>
+          </a:lnRef>
+          <a:fillRef idx="0">
+            <a:schemeClr val="accent1"/>
+          </a:fillRef>
+          <a:effectRef idx="0">
+            <a:schemeClr val="accent1"/>
+          </a:effectRef>
+          <a:fontRef idx="minor">
+            <a:schemeClr val="tx1"/>
+          </a:fontRef>
+        </p:style>
+      </p:cxnSp>
+      <p:sp>
+        <p:nvSpPr>
+          <p:cNvPr id="6" name="TextBox 5"/>
+          <p:cNvSpPr txBox="1"/>
+          <p:nvPr/>
+        </p:nvSpPr>
+        <p:spPr>
+          <a:xfrm>
+            <a:off x="5872091" y="2172639"/>
+            <a:ext cx="3948517" cy="1061829"/>
+          </a:xfrm>
+          <a:prstGeom prst="rect">
+            <a:avLst/>
+          </a:prstGeom>
+          <a:noFill/>
+        </p:spPr>
+        <p:txBody>
+          <a:bodyPr wrap="none" rtlCol="0">
+            <a:spAutoFit/>
+          </a:bodyPr>
+          <a:lstStyle/>
+          <a:p>
+            <a:pPr>
+              <a:lnSpc>
+                <a:spcPct val="150000"/>
+              </a:lnSpc>
+            </a:pPr>
+            <a:r>
+              <a:rPr lang="ko-KR" altLang="en-US" sz="1400" dirty="0" smtClean="0"/>
+              <a:t>기본 크기가 </a:t>
+            </a:r>
+            <a:r>
+              <a:rPr lang="en-US" altLang="ko-KR" sz="1400" dirty="0" smtClean="0"/>
+              <a:t>18px </a:t>
+            </a:r>
+            <a:r>
+              <a:rPr lang="ko-KR" altLang="en-US" sz="1400" dirty="0" smtClean="0"/>
+              <a:t>입니다</a:t>
+            </a:r>
+            <a:r>
+              <a:rPr lang="en-US" altLang="ko-KR" sz="1400" dirty="0" smtClean="0"/>
+              <a:t>.</a:t>
+            </a:r>
+          </a:p>
+          <a:p>
+            <a:pPr>
+              <a:lnSpc>
+                <a:spcPct val="150000"/>
+              </a:lnSpc>
+            </a:pPr>
+            <a:r>
+              <a:rPr lang="ko-KR" altLang="en-US" sz="1400" dirty="0" smtClean="0"/>
+              <a:t>하지만 가로 폭이 작아질수록 폰트도 작아지고</a:t>
+            </a:r>
+            <a:r>
+              <a:rPr lang="en-US" altLang="ko-KR" sz="1400" dirty="0" smtClean="0"/>
+              <a:t>,</a:t>
+            </a:r>
+          </a:p>
+          <a:p>
+            <a:pPr>
+              <a:lnSpc>
+                <a:spcPct val="150000"/>
+              </a:lnSpc>
+            </a:pPr>
+            <a:r>
+              <a:rPr lang="en-US" altLang="ko-KR" sz="1400" dirty="0" smtClean="0"/>
+              <a:t>PC </a:t>
+            </a:r>
+            <a:r>
+              <a:rPr lang="ko-KR" altLang="en-US" sz="1400" dirty="0" smtClean="0"/>
+              <a:t>모드로 보는 </a:t>
+            </a:r>
+            <a:r>
+              <a:rPr lang="en-US" altLang="ko-KR" sz="1400" dirty="0" smtClean="0"/>
+              <a:t>420px </a:t>
+            </a:r>
+            <a:r>
+              <a:rPr lang="ko-KR" altLang="en-US" sz="1400" dirty="0" smtClean="0"/>
+              <a:t>에서는  더 큽니다</a:t>
+            </a:r>
+            <a:r>
+              <a:rPr lang="en-US" altLang="ko-KR" sz="1400" dirty="0" smtClean="0"/>
+              <a:t>.</a:t>
+            </a:r>
+            <a:endParaRPr lang="ko-KR" altLang="en-US" sz="1400" dirty="0"/>
+          </a:p>
+        </p:txBody>
+      </p:sp>
+      <p:sp>
+        <p:nvSpPr>
+          <p:cNvPr id="7" name="TextBox 6"/>
+          <p:cNvSpPr txBox="1"/>
+          <p:nvPr/>
+        </p:nvSpPr>
+        <p:spPr>
+          <a:xfrm>
+            <a:off x="410676" y="885984"/>
+            <a:ext cx="11416563" cy="461665"/>
+          </a:xfrm>
+          <a:prstGeom prst="rect">
+            <a:avLst/>
+          </a:prstGeom>
+          <a:noFill/>
+        </p:spPr>
+        <p:txBody>
+          <a:bodyPr wrap="square" rtlCol="0">
+            <a:spAutoFit/>
+          </a:bodyPr>
+          <a:lstStyle/>
+          <a:p>
+            <a:r>
+              <a:rPr lang="en-US" altLang="ko-KR" sz="1200" dirty="0">
+                <a:solidFill>
+                  <a:srgbClr val="0070C0"/>
+                </a:solidFill>
+              </a:rPr>
+              <a:t>3. </a:t>
+            </a:r>
+            <a:r>
+              <a:rPr lang="ko-KR" altLang="en-US" sz="1200" dirty="0" err="1">
+                <a:solidFill>
+                  <a:srgbClr val="0070C0"/>
+                </a:solidFill>
+              </a:rPr>
+              <a:t>카드별</a:t>
+            </a:r>
+            <a:r>
+              <a:rPr lang="ko-KR" altLang="en-US" sz="1200" dirty="0">
+                <a:solidFill>
+                  <a:srgbClr val="0070C0"/>
+                </a:solidFill>
+              </a:rPr>
+              <a:t> 제목이 </a:t>
+            </a:r>
+            <a:r>
+              <a:rPr lang="ko-KR" altLang="en-US" sz="1200" dirty="0" err="1">
+                <a:solidFill>
+                  <a:srgbClr val="0070C0"/>
+                </a:solidFill>
+              </a:rPr>
+              <a:t>있는경우</a:t>
+            </a:r>
+            <a:r>
+              <a:rPr lang="ko-KR" altLang="en-US" sz="1200" dirty="0">
+                <a:solidFill>
+                  <a:srgbClr val="0070C0"/>
+                </a:solidFill>
+              </a:rPr>
+              <a:t> 제목의 크기가 </a:t>
+            </a:r>
+            <a:r>
+              <a:rPr lang="en-US" altLang="ko-KR" sz="1200" dirty="0">
+                <a:solidFill>
+                  <a:srgbClr val="0070C0"/>
+                </a:solidFill>
+              </a:rPr>
+              <a:t>18~20 </a:t>
+            </a:r>
+            <a:r>
+              <a:rPr lang="ko-KR" altLang="en-US" sz="1200" dirty="0">
+                <a:solidFill>
+                  <a:srgbClr val="0070C0"/>
+                </a:solidFill>
+              </a:rPr>
+              <a:t>정도로 커져야 합니다</a:t>
+            </a:r>
+            <a:r>
+              <a:rPr lang="en-US" altLang="ko-KR" sz="1200" dirty="0">
+                <a:solidFill>
+                  <a:srgbClr val="0070C0"/>
+                </a:solidFill>
+              </a:rPr>
+              <a:t>.</a:t>
+            </a:r>
+          </a:p>
+          <a:p>
+            <a:r>
+              <a:rPr lang="en-US" altLang="ko-KR" sz="1200" dirty="0">
+                <a:solidFill>
+                  <a:srgbClr val="0070C0"/>
+                </a:solidFill>
+              </a:rPr>
+              <a:t>(</a:t>
+            </a:r>
+            <a:r>
+              <a:rPr lang="ko-KR" altLang="en-US" sz="1200" dirty="0" err="1">
+                <a:solidFill>
+                  <a:srgbClr val="0070C0"/>
+                </a:solidFill>
+              </a:rPr>
+              <a:t>노수석님</a:t>
+            </a:r>
+            <a:r>
+              <a:rPr lang="ko-KR" altLang="en-US" sz="1200" dirty="0">
+                <a:solidFill>
+                  <a:srgbClr val="0070C0"/>
+                </a:solidFill>
+              </a:rPr>
+              <a:t> 제안</a:t>
+            </a:r>
+            <a:r>
+              <a:rPr lang="en-US" altLang="ko-KR" sz="1200" dirty="0">
+                <a:solidFill>
+                  <a:srgbClr val="0070C0"/>
+                </a:solidFill>
+              </a:rPr>
+              <a:t>) h3 </a:t>
+            </a:r>
+            <a:r>
+              <a:rPr lang="ko-KR" altLang="en-US" sz="1200" dirty="0">
+                <a:solidFill>
+                  <a:srgbClr val="0070C0"/>
+                </a:solidFill>
+              </a:rPr>
+              <a:t>부분의 </a:t>
+            </a:r>
+            <a:r>
+              <a:rPr lang="en-US" altLang="ko-KR" sz="1200" dirty="0">
+                <a:solidFill>
+                  <a:srgbClr val="0070C0"/>
+                </a:solidFill>
+              </a:rPr>
+              <a:t>font </a:t>
+            </a:r>
+            <a:r>
+              <a:rPr lang="ko-KR" altLang="en-US" sz="1200" dirty="0">
+                <a:solidFill>
+                  <a:srgbClr val="0070C0"/>
+                </a:solidFill>
+              </a:rPr>
+              <a:t>가 </a:t>
+            </a:r>
+            <a:r>
+              <a:rPr lang="en-US" altLang="ko-KR" sz="1200" dirty="0">
+                <a:solidFill>
+                  <a:srgbClr val="0070C0"/>
+                </a:solidFill>
+              </a:rPr>
+              <a:t>1.8rem -&gt; 2rem </a:t>
+            </a:r>
+            <a:r>
+              <a:rPr lang="ko-KR" altLang="en-US" sz="1200" dirty="0">
+                <a:solidFill>
+                  <a:srgbClr val="0070C0"/>
+                </a:solidFill>
+              </a:rPr>
+              <a:t>정도 되면 </a:t>
+            </a:r>
+            <a:r>
+              <a:rPr lang="ko-KR" altLang="en-US" sz="1200" dirty="0" err="1">
+                <a:solidFill>
+                  <a:srgbClr val="0070C0"/>
+                </a:solidFill>
+              </a:rPr>
+              <a:t>될것</a:t>
+            </a:r>
+            <a:r>
+              <a:rPr lang="ko-KR" altLang="en-US" sz="1200" dirty="0">
+                <a:solidFill>
+                  <a:srgbClr val="0070C0"/>
+                </a:solidFill>
+              </a:rPr>
+              <a:t> 같습니다</a:t>
+            </a:r>
+            <a:r>
+              <a:rPr lang="en-US" altLang="ko-KR" sz="1200" dirty="0">
+                <a:solidFill>
+                  <a:srgbClr val="0070C0"/>
+                </a:solidFill>
+              </a:rPr>
+              <a:t>.</a:t>
+            </a:r>
+            <a:endParaRPr lang="ko-KR" altLang="en-US" sz="1200" dirty="0">
+              <a:solidFill>
+                <a:srgbClr val="0070C0"/>
+              </a:solidFill>
+            </a:endParaRPr>
+          </a:p>
+        </p:txBody>
+      </p:sp>
+    </p:spTree>
+    <p:extLst>
+      <p:ext uri="{BB962C8B-B14F-4D97-AF65-F5344CB8AC3E}">
+        <p14:creationId xmlns:p14="http://schemas.microsoft.com/office/powerpoint/2010/main" val="896139782"/>
+      </p:ext>
+    </p:extLst>
+  </p:cSld>
+  <p:clrMapOvr>
+    <a:masterClrMapping/>
+  </p:clrMapOvr>
+</p:sld>
+</file>
+
+<file path=ppt/slides/slide7.xml><?xml version="1.0" encoding="utf-8"?>
+<p:sld xmlns:a="http://schemas.openxmlformats.org/drawingml/2006/main" xmlns:r="http://schemas.openxmlformats.org/officeDocument/2006/relationships" xmlns:p="http://schemas.openxmlformats.org/presentationml/2006/main">
+  <p:cSld>
+    <p:spTree>
+      <p:nvGrpSpPr>
+        <p:cNvPr id="1" name=""/>
+        <p:cNvGrpSpPr/>
+        <p:nvPr/>
+      </p:nvGrpSpPr>
+      <p:grpSpPr>
+        <a:xfrm>
+          <a:off x="0" y="0"/>
+          <a:ext cx="0" cy="0"/>
+          <a:chOff x="0" y="0"/>
+          <a:chExt cx="0" cy="0"/>
+        </a:xfrm>
+      </p:grpSpPr>
+      <p:sp>
+        <p:nvSpPr>
+          <p:cNvPr id="3" name="TextBox 2"/>
+          <p:cNvSpPr txBox="1"/>
+          <p:nvPr/>
+        </p:nvSpPr>
+        <p:spPr>
+          <a:xfrm>
+            <a:off x="474133" y="304800"/>
+            <a:ext cx="1872629" cy="369332"/>
+          </a:xfrm>
+          <a:prstGeom prst="rect">
+            <a:avLst/>
+          </a:prstGeom>
+          <a:noFill/>
+        </p:spPr>
+        <p:txBody>
+          <a:bodyPr wrap="none" rtlCol="0">
+            <a:spAutoFit/>
+          </a:bodyPr>
+          <a:lstStyle/>
+          <a:p>
+            <a:r>
+              <a:rPr lang="en-US" altLang="ko-KR" dirty="0"/>
+              <a:t>UI-SJN-01-001U</a:t>
+            </a:r>
+            <a:endParaRPr lang="ko-KR" altLang="en-US" dirty="0"/>
+          </a:p>
+        </p:txBody>
+      </p:sp>
+      <p:sp>
+        <p:nvSpPr>
+          <p:cNvPr id="7" name="TextBox 6"/>
+          <p:cNvSpPr txBox="1"/>
+          <p:nvPr/>
+        </p:nvSpPr>
+        <p:spPr>
+          <a:xfrm>
+            <a:off x="410676" y="885984"/>
+            <a:ext cx="11416563" cy="276999"/>
+          </a:xfrm>
+          <a:prstGeom prst="rect">
+            <a:avLst/>
+          </a:prstGeom>
+          <a:noFill/>
+        </p:spPr>
+        <p:txBody>
+          <a:bodyPr wrap="square" rtlCol="0">
+            <a:spAutoFit/>
+          </a:bodyPr>
+          <a:lstStyle/>
+          <a:p>
+            <a:r>
+              <a:rPr lang="en-US" altLang="ko-KR" sz="1200" dirty="0">
+                <a:solidFill>
+                  <a:srgbClr val="0070C0"/>
+                </a:solidFill>
+              </a:rPr>
+              <a:t>4. </a:t>
+            </a:r>
+            <a:r>
+              <a:rPr lang="ko-KR" altLang="en-US" sz="1200" dirty="0">
+                <a:solidFill>
+                  <a:srgbClr val="0070C0"/>
+                </a:solidFill>
+              </a:rPr>
+              <a:t>제목과 </a:t>
+            </a:r>
+            <a:r>
+              <a:rPr lang="ko-KR" altLang="en-US" sz="1200" dirty="0" err="1">
+                <a:solidFill>
+                  <a:srgbClr val="0070C0"/>
+                </a:solidFill>
+              </a:rPr>
+              <a:t>서브제목이</a:t>
+            </a:r>
+            <a:r>
+              <a:rPr lang="ko-KR" altLang="en-US" sz="1200" dirty="0">
+                <a:solidFill>
+                  <a:srgbClr val="0070C0"/>
+                </a:solidFill>
+              </a:rPr>
+              <a:t> 있는 경우 제목이 먼저 표시되고</a:t>
+            </a:r>
+            <a:r>
+              <a:rPr lang="en-US" altLang="ko-KR" sz="1200" dirty="0">
+                <a:solidFill>
+                  <a:srgbClr val="0070C0"/>
+                </a:solidFill>
+              </a:rPr>
+              <a:t>, </a:t>
+            </a:r>
+            <a:r>
+              <a:rPr lang="ko-KR" altLang="en-US" sz="1200" dirty="0" err="1">
+                <a:solidFill>
+                  <a:srgbClr val="0070C0"/>
+                </a:solidFill>
+              </a:rPr>
+              <a:t>서브제목이</a:t>
+            </a:r>
+            <a:r>
+              <a:rPr lang="ko-KR" altLang="en-US" sz="1200" dirty="0">
+                <a:solidFill>
+                  <a:srgbClr val="0070C0"/>
+                </a:solidFill>
+              </a:rPr>
+              <a:t> 아랫줄에 표시되게 해주세요</a:t>
+            </a:r>
+            <a:r>
+              <a:rPr lang="en-US" altLang="ko-KR" sz="1200" dirty="0">
+                <a:solidFill>
+                  <a:srgbClr val="0070C0"/>
+                </a:solidFill>
+              </a:rPr>
+              <a:t>.</a:t>
+            </a:r>
+            <a:endParaRPr lang="ko-KR" altLang="en-US" sz="1200" dirty="0">
+              <a:solidFill>
+                <a:srgbClr val="0070C0"/>
+              </a:solidFill>
+            </a:endParaRPr>
+          </a:p>
+        </p:txBody>
+      </p:sp>
+      <p:pic>
+        <p:nvPicPr>
+          <p:cNvPr id="2" name="그림 1"/>
+          <p:cNvPicPr>
+            <a:picLocks noChangeAspect="1"/>
+          </p:cNvPicPr>
+          <p:nvPr/>
+        </p:nvPicPr>
+        <p:blipFill>
+          <a:blip r:embed="rId2"/>
+          <a:stretch>
+            <a:fillRect/>
+          </a:stretch>
+        </p:blipFill>
+        <p:spPr>
+          <a:xfrm>
+            <a:off x="540205" y="2073026"/>
+            <a:ext cx="3181794" cy="943107"/>
+          </a:xfrm>
+          <a:prstGeom prst="rect">
+            <a:avLst/>
+          </a:prstGeom>
+        </p:spPr>
+      </p:pic>
+      <p:pic>
+        <p:nvPicPr>
+          <p:cNvPr id="8" name="그림 7"/>
+          <p:cNvPicPr>
+            <a:picLocks noChangeAspect="1"/>
+          </p:cNvPicPr>
+          <p:nvPr/>
+        </p:nvPicPr>
+        <p:blipFill>
+          <a:blip r:embed="rId3"/>
+          <a:stretch>
+            <a:fillRect/>
+          </a:stretch>
+        </p:blipFill>
+        <p:spPr>
+          <a:xfrm>
+            <a:off x="536142" y="3606787"/>
+            <a:ext cx="3219899" cy="933580"/>
+          </a:xfrm>
+          <a:prstGeom prst="rect">
+            <a:avLst/>
+          </a:prstGeom>
+        </p:spPr>
+      </p:pic>
+      <p:sp>
+        <p:nvSpPr>
+          <p:cNvPr id="9" name="TextBox 8"/>
+          <p:cNvSpPr txBox="1"/>
+          <p:nvPr/>
+        </p:nvSpPr>
+        <p:spPr>
+          <a:xfrm>
+            <a:off x="4478005" y="3027078"/>
+            <a:ext cx="3728906" cy="373885"/>
+          </a:xfrm>
+          <a:prstGeom prst="rect">
+            <a:avLst/>
+          </a:prstGeom>
+          <a:noFill/>
+        </p:spPr>
+        <p:txBody>
+          <a:bodyPr wrap="none" rtlCol="0">
+            <a:spAutoFit/>
+          </a:bodyPr>
+          <a:lstStyle/>
+          <a:p>
+            <a:pPr>
+              <a:lnSpc>
+                <a:spcPct val="150000"/>
+              </a:lnSpc>
+            </a:pPr>
+            <a:r>
+              <a:rPr lang="ko-KR" altLang="en-US" sz="1400" dirty="0" err="1" smtClean="0">
+                <a:solidFill>
+                  <a:srgbClr val="FF0000"/>
+                </a:solidFill>
+              </a:rPr>
+              <a:t>줄바꿈</a:t>
+            </a:r>
+            <a:r>
+              <a:rPr lang="ko-KR" altLang="en-US" sz="1400" dirty="0" smtClean="0">
+                <a:solidFill>
+                  <a:srgbClr val="FF0000"/>
+                </a:solidFill>
+              </a:rPr>
+              <a:t> 관련해서는 디자인 시안 받으면 작업</a:t>
+            </a:r>
+            <a:endParaRPr lang="ko-KR" altLang="en-US" sz="1400" dirty="0">
+              <a:solidFill>
+                <a:srgbClr val="FF0000"/>
+              </a:solidFill>
+            </a:endParaRPr>
+          </a:p>
+        </p:txBody>
+      </p:sp>
+    </p:spTree>
+    <p:extLst>
+      <p:ext uri="{BB962C8B-B14F-4D97-AF65-F5344CB8AC3E}">
+        <p14:creationId xmlns:p14="http://schemas.microsoft.com/office/powerpoint/2010/main" val="1775333201"/>
+      </p:ext>
+    </p:extLst>
+  </p:cSld>
+  <p:clrMapOvr>
+    <a:masterClrMapping/>
+  </p:clrMapOvr>
+</p:sld>
+</file>
+
+<file path=ppt/slides/slide8.xml><?xml version="1.0" encoding="utf-8"?>
+<p:sld xmlns:a="http://schemas.openxmlformats.org/drawingml/2006/main" xmlns:r="http://schemas.openxmlformats.org/officeDocument/2006/relationships" xmlns:p="http://schemas.openxmlformats.org/presentationml/2006/main">
+  <p:cSld>
+    <p:spTree>
+      <p:nvGrpSpPr>
+        <p:cNvPr id="1" name=""/>
+        <p:cNvGrpSpPr/>
+        <p:nvPr/>
+      </p:nvGrpSpPr>
+      <p:grpSpPr>
+        <a:xfrm>
+          <a:off x="0" y="0"/>
+          <a:ext cx="0" cy="0"/>
+          <a:chOff x="0" y="0"/>
+          <a:chExt cx="0" cy="0"/>
+        </a:xfrm>
+      </p:grpSpPr>
+      <p:sp>
+        <p:nvSpPr>
+          <p:cNvPr id="3" name="TextBox 2"/>
+          <p:cNvSpPr txBox="1"/>
+          <p:nvPr/>
+        </p:nvSpPr>
+        <p:spPr>
+          <a:xfrm>
+            <a:off x="474133" y="304800"/>
+            <a:ext cx="1107996" cy="369332"/>
+          </a:xfrm>
+          <a:prstGeom prst="rect">
+            <a:avLst/>
+          </a:prstGeom>
+          <a:noFill/>
+        </p:spPr>
+        <p:txBody>
+          <a:bodyPr wrap="none" rtlCol="0">
+            <a:spAutoFit/>
+          </a:bodyPr>
+          <a:lstStyle/>
+          <a:p>
+            <a:r>
+              <a:rPr lang="ko-KR" altLang="en-US" dirty="0" smtClean="0"/>
+              <a:t>생활정보</a:t>
+            </a:r>
+            <a:endParaRPr lang="ko-KR" altLang="en-US" dirty="0"/>
+          </a:p>
+        </p:txBody>
+      </p:sp>
+      <p:sp>
+        <p:nvSpPr>
+          <p:cNvPr id="7" name="TextBox 6"/>
+          <p:cNvSpPr txBox="1"/>
+          <p:nvPr/>
+        </p:nvSpPr>
+        <p:spPr>
+          <a:xfrm>
+            <a:off x="410676" y="885984"/>
+            <a:ext cx="11416563" cy="276999"/>
+          </a:xfrm>
+          <a:prstGeom prst="rect">
+            <a:avLst/>
+          </a:prstGeom>
+          <a:noFill/>
+        </p:spPr>
+        <p:txBody>
+          <a:bodyPr wrap="square" rtlCol="0">
+            <a:spAutoFit/>
+          </a:bodyPr>
+          <a:lstStyle/>
+          <a:p>
+            <a:r>
+              <a:rPr lang="en-US" altLang="ko-KR" sz="1200" dirty="0">
+                <a:solidFill>
+                  <a:srgbClr val="0070C0"/>
+                </a:solidFill>
+              </a:rPr>
+              <a:t>5. </a:t>
+            </a:r>
+            <a:r>
+              <a:rPr lang="ko-KR" altLang="en-US" sz="1200" dirty="0">
+                <a:solidFill>
+                  <a:srgbClr val="0070C0"/>
+                </a:solidFill>
+              </a:rPr>
+              <a:t>그림자가 없는 카드가 있는데</a:t>
+            </a:r>
+            <a:r>
+              <a:rPr lang="en-US" altLang="ko-KR" sz="1200" dirty="0">
+                <a:solidFill>
+                  <a:srgbClr val="0070C0"/>
+                </a:solidFill>
+              </a:rPr>
+              <a:t>, </a:t>
+            </a:r>
+            <a:r>
+              <a:rPr lang="ko-KR" altLang="en-US" sz="1200" dirty="0">
+                <a:solidFill>
+                  <a:srgbClr val="0070C0"/>
+                </a:solidFill>
+              </a:rPr>
+              <a:t>디자인상 모두 그림자가 있다고 합니다</a:t>
+            </a:r>
+            <a:r>
+              <a:rPr lang="en-US" altLang="ko-KR" sz="1200" dirty="0">
+                <a:solidFill>
+                  <a:srgbClr val="0070C0"/>
+                </a:solidFill>
+              </a:rPr>
+              <a:t>. </a:t>
+            </a:r>
+            <a:r>
+              <a:rPr lang="ko-KR" altLang="en-US" sz="1200" dirty="0">
+                <a:solidFill>
+                  <a:srgbClr val="0070C0"/>
+                </a:solidFill>
+              </a:rPr>
+              <a:t>확인 부탁드립니다</a:t>
+            </a:r>
+            <a:r>
+              <a:rPr lang="en-US" altLang="ko-KR" sz="1200" dirty="0">
+                <a:solidFill>
+                  <a:srgbClr val="0070C0"/>
+                </a:solidFill>
+              </a:rPr>
+              <a:t>.</a:t>
+            </a:r>
+            <a:endParaRPr lang="ko-KR" altLang="en-US" sz="1200" dirty="0">
+              <a:solidFill>
+                <a:srgbClr val="0070C0"/>
+              </a:solidFill>
+            </a:endParaRPr>
+          </a:p>
+        </p:txBody>
+      </p:sp>
+      <p:pic>
+        <p:nvPicPr>
+          <p:cNvPr id="4" name="그림 3"/>
+          <p:cNvPicPr>
+            <a:picLocks noChangeAspect="1"/>
+          </p:cNvPicPr>
+          <p:nvPr/>
+        </p:nvPicPr>
+        <p:blipFill>
+          <a:blip r:embed="rId2"/>
+          <a:stretch>
+            <a:fillRect/>
+          </a:stretch>
+        </p:blipFill>
+        <p:spPr>
+          <a:xfrm>
+            <a:off x="437454" y="1758758"/>
+            <a:ext cx="3190166" cy="4179740"/>
+          </a:xfrm>
+          <a:prstGeom prst="rect">
+            <a:avLst/>
+          </a:prstGeom>
+        </p:spPr>
+      </p:pic>
+      <p:pic>
+        <p:nvPicPr>
+          <p:cNvPr id="5" name="그림 4"/>
+          <p:cNvPicPr>
+            <a:picLocks noChangeAspect="1"/>
+          </p:cNvPicPr>
+          <p:nvPr/>
+        </p:nvPicPr>
+        <p:blipFill>
+          <a:blip r:embed="rId3"/>
+          <a:stretch>
+            <a:fillRect/>
+          </a:stretch>
+        </p:blipFill>
+        <p:spPr>
+          <a:xfrm>
+            <a:off x="5749994" y="1614787"/>
+            <a:ext cx="3139290" cy="1802971"/>
+          </a:xfrm>
+          <a:prstGeom prst="rect">
+            <a:avLst/>
+          </a:prstGeom>
+        </p:spPr>
+      </p:pic>
+      <p:sp>
+        <p:nvSpPr>
+          <p:cNvPr id="10" name="TextBox 9"/>
+          <p:cNvSpPr txBox="1"/>
+          <p:nvPr/>
+        </p:nvSpPr>
+        <p:spPr>
+          <a:xfrm>
+            <a:off x="4140727" y="5095721"/>
+            <a:ext cx="6854312" cy="738664"/>
+          </a:xfrm>
+          <a:prstGeom prst="rect">
+            <a:avLst/>
+          </a:prstGeom>
+          <a:noFill/>
+        </p:spPr>
+        <p:txBody>
+          <a:bodyPr wrap="none" rtlCol="0">
+            <a:spAutoFit/>
+          </a:bodyPr>
+          <a:lstStyle/>
+          <a:p>
+            <a:pPr>
+              <a:lnSpc>
+                <a:spcPct val="150000"/>
+              </a:lnSpc>
+            </a:pPr>
+            <a:r>
+              <a:rPr lang="ko-KR" altLang="en-US" sz="1400" dirty="0" smtClean="0"/>
+              <a:t>그림자 우선 위 박스와 동일한 </a:t>
+            </a:r>
+            <a:r>
+              <a:rPr lang="en-US" altLang="ko-KR" sz="1400" dirty="0"/>
+              <a:t>box-shadow: 0 1rem 3rem rgb(102 132 234 / 10</a:t>
+            </a:r>
+            <a:r>
+              <a:rPr lang="en-US" altLang="ko-KR" sz="1400" dirty="0" smtClean="0"/>
+              <a:t>%);</a:t>
+            </a:r>
+          </a:p>
+          <a:p>
+            <a:pPr>
+              <a:lnSpc>
+                <a:spcPct val="150000"/>
+              </a:lnSpc>
+            </a:pPr>
+            <a:r>
+              <a:rPr lang="ko-KR" altLang="en-US" sz="1400" dirty="0" smtClean="0"/>
+              <a:t>로 넣었습니다</a:t>
+            </a:r>
+            <a:r>
+              <a:rPr lang="en-US" altLang="ko-KR" sz="1400" dirty="0" smtClean="0"/>
+              <a:t>.</a:t>
+            </a:r>
+            <a:endParaRPr lang="ko-KR" altLang="en-US" sz="1400" dirty="0"/>
+          </a:p>
+        </p:txBody>
+      </p:sp>
+      <p:cxnSp>
+        <p:nvCxnSpPr>
+          <p:cNvPr id="11" name="직선 화살표 연결선 10"/>
+          <p:cNvCxnSpPr/>
+          <p:nvPr/>
+        </p:nvCxnSpPr>
+        <p:spPr>
+          <a:xfrm flipH="1">
+            <a:off x="3365292" y="5179102"/>
+            <a:ext cx="577121" cy="0"/>
+          </a:xfrm>
+          <a:prstGeom prst="straightConnector1">
+            <a:avLst/>
+          </a:prstGeom>
+          <a:ln>
+            <a:tailEnd type="triangle"/>
+          </a:ln>
+        </p:spPr>
+        <p:style>
+          <a:lnRef idx="1">
+            <a:schemeClr val="accent1"/>
+          </a:lnRef>
+          <a:fillRef idx="0">
+            <a:schemeClr val="accent1"/>
+          </a:fillRef>
+          <a:effectRef idx="0">
+            <a:schemeClr val="accent1"/>
+          </a:effectRef>
+          <a:fontRef idx="minor">
+            <a:schemeClr val="tx1"/>
+          </a:fontRef>
+        </p:style>
+      </p:cxnSp>
+      <p:cxnSp>
+        <p:nvCxnSpPr>
+          <p:cNvPr id="13" name="직선 화살표 연결선 12"/>
+          <p:cNvCxnSpPr/>
+          <p:nvPr/>
+        </p:nvCxnSpPr>
+        <p:spPr>
+          <a:xfrm flipV="1">
+            <a:off x="7187784" y="3110459"/>
+            <a:ext cx="0" cy="1686393"/>
+          </a:xfrm>
+          <a:prstGeom prst="straightConnector1">
+            <a:avLst/>
+          </a:prstGeom>
+          <a:ln>
+            <a:tailEnd type="triangle"/>
+          </a:ln>
+        </p:spPr>
+        <p:style>
+          <a:lnRef idx="1">
+            <a:schemeClr val="accent1"/>
+          </a:lnRef>
+          <a:fillRef idx="0">
+            <a:schemeClr val="accent1"/>
+          </a:fillRef>
+          <a:effectRef idx="0">
+            <a:schemeClr val="accent1"/>
+          </a:effectRef>
+          <a:fontRef idx="minor">
+            <a:schemeClr val="tx1"/>
+          </a:fontRef>
+        </p:style>
+      </p:cxnSp>
+      <p:cxnSp>
+        <p:nvCxnSpPr>
+          <p:cNvPr id="15" name="직선 화살표 연결선 14"/>
+          <p:cNvCxnSpPr/>
+          <p:nvPr/>
+        </p:nvCxnSpPr>
+        <p:spPr>
+          <a:xfrm flipH="1" flipV="1">
+            <a:off x="3470223" y="2810656"/>
+            <a:ext cx="2413416" cy="1918741"/>
+          </a:xfrm>
+          <a:prstGeom prst="straightConnector1">
+            <a:avLst/>
+          </a:prstGeom>
+          <a:ln>
+            <a:tailEnd type="triangle"/>
+          </a:ln>
+        </p:spPr>
+        <p:style>
+          <a:lnRef idx="1">
+            <a:schemeClr val="accent1"/>
+          </a:lnRef>
+          <a:fillRef idx="0">
+            <a:schemeClr val="accent1"/>
+          </a:fillRef>
+          <a:effectRef idx="0">
+            <a:schemeClr val="accent1"/>
+          </a:effectRef>
+          <a:fontRef idx="minor">
+            <a:schemeClr val="tx1"/>
+          </a:fontRef>
+        </p:style>
+      </p:cxnSp>
+    </p:spTree>
+    <p:extLst>
+      <p:ext uri="{BB962C8B-B14F-4D97-AF65-F5344CB8AC3E}">
+        <p14:creationId xmlns:p14="http://schemas.microsoft.com/office/powerpoint/2010/main" val="323517861"/>
+      </p:ext>
+    </p:extLst>
+  </p:cSld>
+  <p:clrMapOvr>
+    <a:masterClrMapping/>
+  </p:clrMapOvr>
+</p:sld>
+</file>
+
+<file path=ppt/slides/slide9.xml><?xml version="1.0" encoding="utf-8"?>
+<p:sld xmlns:a="http://schemas.openxmlformats.org/drawingml/2006/main" xmlns:r="http://schemas.openxmlformats.org/officeDocument/2006/relationships" xmlns:p="http://schemas.openxmlformats.org/presentationml/2006/main">
+  <p:cSld>
+    <p:spTree>
+      <p:nvGrpSpPr>
+        <p:cNvPr id="1" name=""/>
+        <p:cNvGrpSpPr/>
+        <p:nvPr/>
+      </p:nvGrpSpPr>
+      <p:grpSpPr>
+        <a:xfrm>
+          <a:off x="0" y="0"/>
+          <a:ext cx="0" cy="0"/>
+          <a:chOff x="0" y="0"/>
+          <a:chExt cx="0" cy="0"/>
+        </a:xfrm>
+      </p:grpSpPr>
+      <p:pic>
+        <p:nvPicPr>
+          <p:cNvPr id="2" name="그림 1"/>
+          <p:cNvPicPr>
+            <a:picLocks noChangeAspect="1"/>
+          </p:cNvPicPr>
+          <p:nvPr/>
+        </p:nvPicPr>
+        <p:blipFill>
+          <a:blip r:embed="rId2"/>
+          <a:stretch>
+            <a:fillRect/>
+          </a:stretch>
+        </p:blipFill>
+        <p:spPr>
+          <a:xfrm>
+            <a:off x="525221" y="1182039"/>
+            <a:ext cx="4201111" cy="3324689"/>
+          </a:xfrm>
+          <a:prstGeom prst="rect">
+            <a:avLst/>
+          </a:prstGeom>
+        </p:spPr>
+      </p:pic>
+      <p:sp>
+        <p:nvSpPr>
+          <p:cNvPr id="3" name="TextBox 2"/>
+          <p:cNvSpPr txBox="1"/>
+          <p:nvPr/>
+        </p:nvSpPr>
+        <p:spPr>
+          <a:xfrm>
+            <a:off x="474133" y="304800"/>
+            <a:ext cx="1107996" cy="369332"/>
+          </a:xfrm>
+          <a:prstGeom prst="rect">
+            <a:avLst/>
+          </a:prstGeom>
+          <a:noFill/>
+        </p:spPr>
+        <p:txBody>
+          <a:bodyPr wrap="none" rtlCol="0">
+            <a:spAutoFit/>
+          </a:bodyPr>
+          <a:lstStyle/>
+          <a:p>
+            <a:r>
+              <a:rPr lang="ko-KR" altLang="en-US" dirty="0" smtClean="0"/>
+              <a:t>생활정보</a:t>
+            </a:r>
+            <a:endParaRPr lang="ko-KR" altLang="en-US" dirty="0"/>
+          </a:p>
+        </p:txBody>
+      </p:sp>
+      <p:pic>
+        <p:nvPicPr>
+          <p:cNvPr id="4" name="그림 3"/>
+          <p:cNvPicPr>
+            <a:picLocks noChangeAspect="1"/>
+          </p:cNvPicPr>
+          <p:nvPr/>
+        </p:nvPicPr>
+        <p:blipFill>
+          <a:blip r:embed="rId3"/>
+          <a:stretch>
+            <a:fillRect/>
+          </a:stretch>
+        </p:blipFill>
+        <p:spPr>
+          <a:xfrm>
+            <a:off x="6100862" y="1152894"/>
+            <a:ext cx="4172532" cy="2543530"/>
+          </a:xfrm>
+          <a:prstGeom prst="rect">
+            <a:avLst/>
+          </a:prstGeom>
+        </p:spPr>
+      </p:pic>
+      <p:sp>
+        <p:nvSpPr>
+          <p:cNvPr id="5" name="TextBox 4"/>
+          <p:cNvSpPr txBox="1"/>
+          <p:nvPr/>
+        </p:nvSpPr>
+        <p:spPr>
+          <a:xfrm>
+            <a:off x="6456707" y="4608540"/>
+            <a:ext cx="1144865" cy="415498"/>
+          </a:xfrm>
+          <a:prstGeom prst="rect">
+            <a:avLst/>
+          </a:prstGeom>
+          <a:noFill/>
+        </p:spPr>
+        <p:txBody>
+          <a:bodyPr wrap="none" rtlCol="0">
+            <a:spAutoFit/>
+          </a:bodyPr>
+          <a:lstStyle/>
+          <a:p>
+            <a:pPr>
+              <a:lnSpc>
+                <a:spcPct val="150000"/>
+              </a:lnSpc>
+            </a:pPr>
+            <a:r>
+              <a:rPr lang="ko-KR" altLang="en-US" sz="1400" dirty="0" err="1" smtClean="0"/>
+              <a:t>두줄로</a:t>
+            </a:r>
+            <a:r>
+              <a:rPr lang="ko-KR" altLang="en-US" sz="1400" dirty="0" smtClean="0"/>
+              <a:t> 변경</a:t>
+            </a:r>
+            <a:endParaRPr lang="ko-KR" altLang="en-US" sz="1400" dirty="0"/>
+          </a:p>
+        </p:txBody>
+      </p:sp>
+      <p:cxnSp>
+        <p:nvCxnSpPr>
+          <p:cNvPr id="7" name="직선 화살표 연결선 6"/>
+          <p:cNvCxnSpPr/>
+          <p:nvPr/>
+        </p:nvCxnSpPr>
+        <p:spPr>
+          <a:xfrm flipV="1">
+            <a:off x="6962931" y="1866275"/>
+            <a:ext cx="0" cy="2608289"/>
+          </a:xfrm>
+          <a:prstGeom prst="straightConnector1">
+            <a:avLst/>
+          </a:prstGeom>
+          <a:ln>
+            <a:tailEnd type="triangle"/>
+          </a:ln>
+        </p:spPr>
+        <p:style>
+          <a:lnRef idx="1">
+            <a:schemeClr val="accent1"/>
+          </a:lnRef>
+          <a:fillRef idx="0">
+            <a:schemeClr val="accent1"/>
+          </a:fillRef>
+          <a:effectRef idx="0">
+            <a:schemeClr val="accent1"/>
+          </a:effectRef>
+          <a:fontRef idx="minor">
+            <a:schemeClr val="tx1"/>
+          </a:fontRef>
+        </p:style>
+      </p:cxnSp>
+      <p:pic>
+        <p:nvPicPr>
+          <p:cNvPr id="8" name="그림 7"/>
+          <p:cNvPicPr>
+            <a:picLocks noChangeAspect="1"/>
+          </p:cNvPicPr>
+          <p:nvPr/>
+        </p:nvPicPr>
+        <p:blipFill>
+          <a:blip r:embed="rId4"/>
+          <a:stretch>
+            <a:fillRect/>
+          </a:stretch>
+        </p:blipFill>
+        <p:spPr>
+          <a:xfrm>
+            <a:off x="4856763" y="5192100"/>
+            <a:ext cx="6315956" cy="581106"/>
+          </a:xfrm>
+          <a:prstGeom prst="rect">
+            <a:avLst/>
+          </a:prstGeom>
+        </p:spPr>
+      </p:pic>
+      <p:cxnSp>
+        <p:nvCxnSpPr>
+          <p:cNvPr id="10" name="직선 연결선 9"/>
+          <p:cNvCxnSpPr/>
+          <p:nvPr/>
+        </p:nvCxnSpPr>
+        <p:spPr>
+          <a:xfrm>
+            <a:off x="5321508" y="5561351"/>
+            <a:ext cx="1131758" cy="0"/>
+          </a:xfrm>
+          <a:prstGeom prst="line">
+            <a:avLst/>
+          </a:prstGeom>
+        </p:spPr>
+        <p:style>
+          <a:lnRef idx="3">
+            <a:schemeClr val="accent4"/>
+          </a:lnRef>
+          <a:fillRef idx="0">
+            <a:schemeClr val="accent4"/>
+          </a:fillRef>
+          <a:effectRef idx="2">
+            <a:schemeClr val="accent4"/>
+          </a:effectRef>
+          <a:fontRef idx="minor">
+            <a:schemeClr val="tx1"/>
+          </a:fontRef>
+        </p:style>
+      </p:cxnSp>
+      <p:sp>
+        <p:nvSpPr>
+          <p:cNvPr id="11" name="TextBox 10"/>
+          <p:cNvSpPr txBox="1"/>
+          <p:nvPr/>
+        </p:nvSpPr>
+        <p:spPr>
+          <a:xfrm>
+            <a:off x="4905225" y="6177352"/>
+            <a:ext cx="2616422" cy="415498"/>
+          </a:xfrm>
+          <a:prstGeom prst="rect">
+            <a:avLst/>
+          </a:prstGeom>
+          <a:noFill/>
+        </p:spPr>
+        <p:txBody>
+          <a:bodyPr wrap="none" rtlCol="0">
+            <a:spAutoFit/>
+          </a:bodyPr>
+          <a:lstStyle/>
+          <a:p>
+            <a:pPr>
+              <a:lnSpc>
+                <a:spcPct val="150000"/>
+              </a:lnSpc>
+            </a:pPr>
+            <a:r>
+              <a:rPr lang="en-US" altLang="ko-KR" sz="1400" dirty="0" smtClean="0"/>
+              <a:t>H3 </a:t>
+            </a:r>
+            <a:r>
+              <a:rPr lang="ko-KR" altLang="en-US" sz="1400" dirty="0" smtClean="0"/>
+              <a:t>에 클래스가 추가됐습니다</a:t>
+            </a:r>
+            <a:r>
+              <a:rPr lang="en-US" altLang="ko-KR" sz="1400" dirty="0" smtClean="0"/>
+              <a:t>.</a:t>
+            </a:r>
+            <a:endParaRPr lang="ko-KR" altLang="en-US" sz="1400" dirty="0"/>
+          </a:p>
+        </p:txBody>
+      </p:sp>
+      <p:cxnSp>
+        <p:nvCxnSpPr>
+          <p:cNvPr id="13" name="직선 화살표 연결선 12"/>
+          <p:cNvCxnSpPr/>
+          <p:nvPr/>
+        </p:nvCxnSpPr>
+        <p:spPr>
+          <a:xfrm flipV="1">
+            <a:off x="5823679" y="5658787"/>
+            <a:ext cx="0" cy="404734"/>
+          </a:xfrm>
+          <a:prstGeom prst="straightConnector1">
+            <a:avLst/>
+          </a:prstGeom>
+          <a:ln>
+            <a:tailEnd type="triangle"/>
+          </a:ln>
+        </p:spPr>
+        <p:style>
+          <a:lnRef idx="1">
+            <a:schemeClr val="accent1"/>
+          </a:lnRef>
+          <a:fillRef idx="0">
+            <a:schemeClr val="accent1"/>
+          </a:fillRef>
+          <a:effectRef idx="0">
+            <a:schemeClr val="accent1"/>
+          </a:effectRef>
+          <a:fontRef idx="minor">
+            <a:schemeClr val="tx1"/>
+          </a:fontRef>
+        </p:style>
+      </p:cxnSp>
+    </p:spTree>
+    <p:extLst>
+      <p:ext uri="{BB962C8B-B14F-4D97-AF65-F5344CB8AC3E}">
+        <p14:creationId xmlns:p14="http://schemas.microsoft.com/office/powerpoint/2010/main" val="22634151"/>
       </p:ext>
     </p:extLst>
   </p:cSld>
